--- a/El Buscaminas.pptx
+++ b/El Buscaminas.pptx
@@ -127,6 +127,18 @@
 </p:presentation>
 </file>
 
+<file path=ppt/commentAuthors.xml><?xml version="1.0" encoding="utf-8"?>
+<p:cmAuthorLst xmlns:a="http://schemas.openxmlformats.org/drawingml/2006/main" xmlns:r="http://schemas.openxmlformats.org/officeDocument/2006/relationships" xmlns:p="http://schemas.openxmlformats.org/presentationml/2006/main">
+  <p:cmAuthor id="1" name="Fernando Ruiz" initials="FR" lastIdx="1" clrIdx="0">
+    <p:extLst>
+      <p:ext uri="{19B8F6BF-5375-455C-9EA6-DF929625EA0E}">
+        <p15:presenceInfo xmlns:p15="http://schemas.microsoft.com/office/powerpoint/2012/main" userId="e449b358291f1afe" providerId="Windows Live"/>
+      </p:ext>
+    </p:extLst>
+  </p:cmAuthor>
+</p:cmAuthorLst>
+</file>
+
 <file path=ppt/slideLayouts/slideLayout1.xml><?xml version="1.0" encoding="utf-8"?>
 <p:sldLayout xmlns:a="http://schemas.openxmlformats.org/drawingml/2006/main" xmlns:r="http://schemas.openxmlformats.org/officeDocument/2006/relationships" xmlns:p="http://schemas.openxmlformats.org/presentationml/2006/main" type="title" preserve="1">
   <p:cSld name="Diapositiva de título">
@@ -401,7 +413,7 @@
           <a:p>
             <a:fld id="{397E0307-B85C-446A-8EF0-0407D435D787}" type="datetimeFigureOut">
               <a:rPr lang="en-US" dirty="0"/>
-              <a:t>12/18/2018</a:t>
+              <a:t>12/19/2018</a:t>
             </a:fld>
             <a:endParaRPr lang="en-US" dirty="0"/>
           </a:p>
@@ -810,7 +822,7 @@
           <a:p>
             <a:fld id="{8BD862E7-95FA-4FC4-9EC5-DDBFA8DC7417}" type="datetimeFigureOut">
               <a:rPr lang="en-US" dirty="0"/>
-              <a:t>12/18/2018</a:t>
+              <a:t>12/19/2018</a:t>
             </a:fld>
             <a:endParaRPr lang="en-US" dirty="0"/>
           </a:p>
@@ -1141,7 +1153,7 @@
           <a:p>
             <a:fld id="{8DB987F2-A784-4F72-BB57-0E9EACDE722E}" type="datetimeFigureOut">
               <a:rPr lang="en-US" dirty="0"/>
-              <a:t>12/18/2018</a:t>
+              <a:t>12/19/2018</a:t>
             </a:fld>
             <a:endParaRPr lang="en-US" dirty="0"/>
           </a:p>
@@ -1541,7 +1553,7 @@
           <a:p>
             <a:fld id="{40BBD51E-4B19-444E-85C0-DBD7EB6263F4}" type="datetimeFigureOut">
               <a:rPr lang="en-US" dirty="0"/>
-              <a:t>12/18/2018</a:t>
+              <a:t>12/19/2018</a:t>
             </a:fld>
             <a:endParaRPr lang="en-US" dirty="0"/>
           </a:p>
@@ -2104,7 +2116,7 @@
           <a:p>
             <a:fld id="{F0D7255A-4AD5-4D3E-9A0A-689DA3BA976C}" type="datetimeFigureOut">
               <a:rPr lang="en-US" dirty="0"/>
-              <a:t>12/18/2018</a:t>
+              <a:t>12/19/2018</a:t>
             </a:fld>
             <a:endParaRPr lang="en-US" dirty="0"/>
           </a:p>
@@ -2780,7 +2792,7 @@
           <a:p>
             <a:fld id="{3EE0AD15-87AC-45B2-9EE5-8D165AF83CD7}" type="datetimeFigureOut">
               <a:rPr lang="en-US" dirty="0"/>
-              <a:t>12/18/2018</a:t>
+              <a:t>12/19/2018</a:t>
             </a:fld>
             <a:endParaRPr lang="en-US" dirty="0"/>
           </a:p>
@@ -3688,7 +3700,7 @@
           <a:p>
             <a:fld id="{FCC40CCD-F0D6-4CC2-A4C8-2D7D0D875F02}" type="datetimeFigureOut">
               <a:rPr lang="en-US" dirty="0"/>
-              <a:t>12/18/2018</a:t>
+              <a:t>12/19/2018</a:t>
             </a:fld>
             <a:endParaRPr lang="en-US" dirty="0"/>
           </a:p>
@@ -3996,7 +4008,7 @@
           <a:p>
             <a:fld id="{B3CFE2CC-454D-4466-AC55-B86DA0A87BAE}" type="datetimeFigureOut">
               <a:rPr lang="en-US" dirty="0"/>
-              <a:t>12/18/2018</a:t>
+              <a:t>12/19/2018</a:t>
             </a:fld>
             <a:endParaRPr lang="en-US" dirty="0"/>
           </a:p>
@@ -4255,7 +4267,7 @@
           <a:p>
             <a:fld id="{B647B1BF-4039-460D-A637-65428CBD720E}" type="datetimeFigureOut">
               <a:rPr lang="en-US" dirty="0"/>
-              <a:t>12/18/2018</a:t>
+              <a:t>12/19/2018</a:t>
             </a:fld>
             <a:endParaRPr lang="en-US" dirty="0"/>
           </a:p>
@@ -4574,7 +4586,7 @@
           <a:p>
             <a:fld id="{AAA39ACE-9343-4EBE-B5CA-AEA240A1DC53}" type="datetimeFigureOut">
               <a:rPr lang="en-US" dirty="0"/>
-              <a:t>12/18/2018</a:t>
+              <a:t>12/19/2018</a:t>
             </a:fld>
             <a:endParaRPr lang="en-US" dirty="0"/>
           </a:p>
@@ -4958,7 +4970,7 @@
           <a:p>
             <a:fld id="{C9A00F7B-89C5-4DF7-A309-6263220147D4}" type="datetimeFigureOut">
               <a:rPr lang="en-US" dirty="0"/>
-              <a:t>12/18/2018</a:t>
+              <a:t>12/19/2018</a:t>
             </a:fld>
             <a:endParaRPr lang="en-US" dirty="0"/>
           </a:p>
@@ -5329,7 +5341,7 @@
           <a:p>
             <a:fld id="{449C95DE-FD64-4606-AE61-EC1136867CC6}" type="datetimeFigureOut">
               <a:rPr lang="en-US" dirty="0"/>
-              <a:t>12/18/2018</a:t>
+              <a:t>12/19/2018</a:t>
             </a:fld>
             <a:endParaRPr lang="en-US" dirty="0"/>
           </a:p>
@@ -5830,7 +5842,7 @@
           <a:p>
             <a:fld id="{5DEB0BBD-30FE-4CF1-900A-0C45149F8AF8}" type="datetimeFigureOut">
               <a:rPr lang="en-US" dirty="0"/>
-              <a:t>12/18/2018</a:t>
+              <a:t>12/19/2018</a:t>
             </a:fld>
             <a:endParaRPr lang="en-US" dirty="0"/>
           </a:p>
@@ -6082,7 +6094,7 @@
           <a:p>
             <a:fld id="{B91A5F7F-3E81-4C65-A4D1-CB62D5B9DB91}" type="datetimeFigureOut">
               <a:rPr lang="en-US" dirty="0"/>
-              <a:t>12/18/2018</a:t>
+              <a:t>12/19/2018</a:t>
             </a:fld>
             <a:endParaRPr lang="en-US" dirty="0"/>
           </a:p>
@@ -6240,7 +6252,7 @@
           <a:p>
             <a:fld id="{377ECC86-1672-4627-AEFE-EC5485C73905}" type="datetimeFigureOut">
               <a:rPr lang="en-US" dirty="0"/>
-              <a:t>12/18/2018</a:t>
+              <a:t>12/19/2018</a:t>
             </a:fld>
             <a:endParaRPr lang="en-US" dirty="0"/>
           </a:p>
@@ -6625,7 +6637,7 @@
           <a:p>
             <a:fld id="{3CDCB01F-D966-4C62-B900-0BE008A90C98}" type="datetimeFigureOut">
               <a:rPr lang="en-US" dirty="0"/>
-              <a:t>12/18/2018</a:t>
+              <a:t>12/19/2018</a:t>
             </a:fld>
             <a:endParaRPr lang="en-US" dirty="0"/>
           </a:p>
@@ -7029,7 +7041,7 @@
           <a:p>
             <a:fld id="{5E73A0EA-7DC7-4964-BB97-B173EF3B859A}" type="datetimeFigureOut">
               <a:rPr lang="en-US" dirty="0"/>
-              <a:t>12/18/2018</a:t>
+              <a:t>12/19/2018</a:t>
             </a:fld>
             <a:endParaRPr lang="en-US" dirty="0"/>
           </a:p>
@@ -7268,7 +7280,7 @@
           <a:p>
             <a:fld id="{30EF52CC-F3D9-41D4-BCE4-C208E61A3F31}" type="datetimeFigureOut">
               <a:rPr lang="en-US" dirty="0"/>
-              <a:t>12/18/2018</a:t>
+              <a:t>12/19/2018</a:t>
             </a:fld>
             <a:endParaRPr lang="en-US" dirty="0"/>
           </a:p>
@@ -8383,6 +8395,36 @@
           </a:xfrm>
         </p:spPr>
       </p:pic>
+      <p:sp>
+        <p:nvSpPr>
+          <p:cNvPr id="3" name="CuadroTexto 2"/>
+          <p:cNvSpPr txBox="1"/>
+          <p:nvPr/>
+        </p:nvSpPr>
+        <p:spPr>
+          <a:xfrm>
+            <a:off x="7797560" y="2611647"/>
+            <a:ext cx="2066925" cy="3046988"/>
+          </a:xfrm>
+          <a:prstGeom prst="rect">
+            <a:avLst/>
+          </a:prstGeom>
+          <a:noFill/>
+        </p:spPr>
+        <p:txBody>
+          <a:bodyPr wrap="square" rtlCol="0">
+            <a:spAutoFit/>
+          </a:bodyPr>
+          <a:lstStyle/>
+          <a:p>
+            <a:r>
+              <a:rPr lang="es-ES" sz="2400" dirty="0" smtClean="0"/>
+              <a:t>En rojo se muestran las casillas ignoradas por la red ya que no aportan información alguna</a:t>
+            </a:r>
+            <a:endParaRPr lang="es-ES" sz="2400" dirty="0"/>
+          </a:p>
+        </p:txBody>
+      </p:sp>
     </p:spTree>
     <p:extLst>
       <p:ext uri="{BB962C8B-B14F-4D97-AF65-F5344CB8AC3E}">
@@ -8437,7 +8479,11 @@
           <a:p>
             <a:r>
               <a:rPr lang="es-ES" dirty="0" smtClean="0"/>
-              <a:t>4. Metodología</a:t>
+              <a:t>5. </a:t>
+            </a:r>
+            <a:r>
+              <a:rPr lang="es-ES" smtClean="0"/>
+              <a:t>Resultados</a:t>
             </a:r>
             <a:endParaRPr lang="es-ES" dirty="0"/>
           </a:p>
@@ -8472,6 +8518,13 @@
   <p:clrMapOvr>
     <a:masterClrMapping/>
   </p:clrMapOvr>
+  <p:timing>
+    <p:tnLst>
+      <p:par>
+        <p:cTn id="1" dur="indefinite" restart="never" nodeType="tmRoot"/>
+      </p:par>
+    </p:tnLst>
+  </p:timing>
 </p:sld>
 </file>
 

--- a/El Buscaminas.pptx
+++ b/El Buscaminas.pptx
@@ -21,6 +21,9 @@
     <p:sldId id="269" r:id="rId15"/>
     <p:sldId id="270" r:id="rId16"/>
     <p:sldId id="271" r:id="rId17"/>
+    <p:sldId id="272" r:id="rId18"/>
+    <p:sldId id="273" r:id="rId19"/>
+    <p:sldId id="274" r:id="rId20"/>
   </p:sldIdLst>
   <p:sldSz cx="12192000" cy="6858000"/>
   <p:notesSz cx="6858000" cy="9144000"/>
@@ -7705,22 +7708,14 @@
           <a:p>
             <a:r>
               <a:rPr lang="es-ES" dirty="0" smtClean="0"/>
-              <a:t>El Buscaminas</a:t>
+              <a:t>Un juego de lógica,</a:t>
             </a:r>
             <a:br>
               <a:rPr lang="es-ES" dirty="0" smtClean="0"/>
             </a:br>
             <a:r>
               <a:rPr lang="es-ES" dirty="0" smtClean="0"/>
-              <a:t>(Minesweeper</a:t>
-            </a:r>
-            <a:r>
-              <a:rPr lang="es-ES" dirty="0"/>
-              <a:t>) </a:t>
-            </a:r>
-            <a:r>
-              <a:rPr lang="es-ES" dirty="0" smtClean="0"/>
-              <a:t> </a:t>
+              <a:t> El Buscaminas</a:t>
             </a:r>
             <a:endParaRPr lang="es-ES" dirty="0"/>
           </a:p>
@@ -8504,6 +8499,16 @@
           <a:bodyPr/>
           <a:lstStyle/>
           <a:p>
+            <a:r>
+              <a:rPr lang="es-ES" dirty="0" smtClean="0"/>
+              <a:t>Con respecto a los resultado, para medir el tiempo de ejecución de las distintas pruebas se ha usado la librería time, creando una variable al principio de la partida y otra al final para medir con exactitud.</a:t>
+            </a:r>
+          </a:p>
+          <a:p>
+            <a:r>
+              <a:rPr lang="es-ES" dirty="0" smtClean="0"/>
+              <a:t>A continuación vamos a mostrar un ejemplo de partida resuelta.</a:t>
+            </a:r>
             <a:endParaRPr lang="es-ES" dirty="0"/>
           </a:p>
         </p:txBody>
@@ -8512,6 +8517,483 @@
     <p:extLst>
       <p:ext uri="{BB962C8B-B14F-4D97-AF65-F5344CB8AC3E}">
         <p14:creationId xmlns:p14="http://schemas.microsoft.com/office/powerpoint/2010/main" val="819100212"/>
+      </p:ext>
+    </p:extLst>
+  </p:cSld>
+  <p:clrMapOvr>
+    <a:masterClrMapping/>
+  </p:clrMapOvr>
+  <p:timing>
+    <p:tnLst>
+      <p:par>
+        <p:cTn id="1" dur="indefinite" restart="never" nodeType="tmRoot"/>
+      </p:par>
+    </p:tnLst>
+  </p:timing>
+</p:sld>
+</file>
+
+<file path=ppt/slides/slide17.xml><?xml version="1.0" encoding="utf-8"?>
+<p:sld xmlns:a="http://schemas.openxmlformats.org/drawingml/2006/main" xmlns:r="http://schemas.openxmlformats.org/officeDocument/2006/relationships" xmlns:p="http://schemas.openxmlformats.org/presentationml/2006/main">
+  <p:cSld>
+    <p:spTree>
+      <p:nvGrpSpPr>
+        <p:cNvPr id="1" name=""/>
+        <p:cNvGrpSpPr/>
+        <p:nvPr/>
+      </p:nvGrpSpPr>
+      <p:grpSpPr>
+        <a:xfrm>
+          <a:off x="0" y="0"/>
+          <a:ext cx="0" cy="0"/>
+          <a:chOff x="0" y="0"/>
+          <a:chExt cx="0" cy="0"/>
+        </a:xfrm>
+      </p:grpSpPr>
+      <p:sp>
+        <p:nvSpPr>
+          <p:cNvPr id="2" name="Título 1"/>
+          <p:cNvSpPr>
+            <a:spLocks noGrp="1"/>
+          </p:cNvSpPr>
+          <p:nvPr>
+            <p:ph type="title"/>
+          </p:nvPr>
+        </p:nvSpPr>
+        <p:spPr/>
+        <p:txBody>
+          <a:bodyPr/>
+          <a:lstStyle/>
+          <a:p>
+            <a:r>
+              <a:rPr lang="es-ES" dirty="0" smtClean="0"/>
+              <a:t>5. Resultados</a:t>
+            </a:r>
+            <a:endParaRPr lang="es-ES" dirty="0"/>
+          </a:p>
+        </p:txBody>
+      </p:sp>
+      <p:pic>
+        <p:nvPicPr>
+          <p:cNvPr id="5" name="Imagen 4"/>
+          <p:cNvPicPr>
+            <a:picLocks noChangeAspect="1"/>
+          </p:cNvPicPr>
+          <p:nvPr/>
+        </p:nvPicPr>
+        <p:blipFill>
+          <a:blip r:embed="rId2">
+            <a:extLst>
+              <a:ext uri="{28A0092B-C50C-407E-A947-70E740481C1C}">
+                <a14:useLocalDpi xmlns:a14="http://schemas.microsoft.com/office/drawing/2010/main" val="0"/>
+              </a:ext>
+            </a:extLst>
+          </a:blip>
+          <a:stretch>
+            <a:fillRect/>
+          </a:stretch>
+        </p:blipFill>
+        <p:spPr>
+          <a:xfrm>
+            <a:off x="6306469" y="3068363"/>
+            <a:ext cx="4858428" cy="1790950"/>
+          </a:xfrm>
+          <a:prstGeom prst="rect">
+            <a:avLst/>
+          </a:prstGeom>
+        </p:spPr>
+      </p:pic>
+      <p:sp>
+        <p:nvSpPr>
+          <p:cNvPr id="8" name="CuadroTexto 7"/>
+          <p:cNvSpPr txBox="1"/>
+          <p:nvPr/>
+        </p:nvSpPr>
+        <p:spPr>
+          <a:xfrm>
+            <a:off x="315820" y="5488024"/>
+            <a:ext cx="4510764" cy="369332"/>
+          </a:xfrm>
+          <a:prstGeom prst="rect">
+            <a:avLst/>
+          </a:prstGeom>
+          <a:noFill/>
+        </p:spPr>
+        <p:txBody>
+          <a:bodyPr wrap="square" rtlCol="0">
+            <a:spAutoFit/>
+          </a:bodyPr>
+          <a:lstStyle/>
+          <a:p>
+            <a:r>
+              <a:rPr lang="es-ES" dirty="0" smtClean="0"/>
+              <a:t>Se destapa primeramente la casilla (0,0)</a:t>
+            </a:r>
+            <a:endParaRPr lang="es-ES" dirty="0"/>
+          </a:p>
+        </p:txBody>
+      </p:sp>
+      <p:sp>
+        <p:nvSpPr>
+          <p:cNvPr id="9" name="CuadroTexto 8"/>
+          <p:cNvSpPr txBox="1"/>
+          <p:nvPr/>
+        </p:nvSpPr>
+        <p:spPr>
+          <a:xfrm>
+            <a:off x="6306469" y="4990900"/>
+            <a:ext cx="4858428" cy="1200329"/>
+          </a:xfrm>
+          <a:prstGeom prst="rect">
+            <a:avLst/>
+          </a:prstGeom>
+          <a:noFill/>
+        </p:spPr>
+        <p:txBody>
+          <a:bodyPr wrap="square" rtlCol="0">
+            <a:spAutoFit/>
+          </a:bodyPr>
+          <a:lstStyle/>
+          <a:p>
+            <a:r>
+              <a:rPr lang="es-ES" dirty="0" smtClean="0"/>
+              <a:t>La casilla se añade al listado de casillas destapadas (padres) y sus vecinos son añadidos  a la lista de casilla vecinas ocultas (hijos)</a:t>
+            </a:r>
+            <a:endParaRPr lang="es-ES" dirty="0"/>
+          </a:p>
+        </p:txBody>
+      </p:sp>
+      <p:pic>
+        <p:nvPicPr>
+          <p:cNvPr id="13" name="Marcador de contenido 12"/>
+          <p:cNvPicPr>
+            <a:picLocks noGrp="1" noChangeAspect="1"/>
+          </p:cNvPicPr>
+          <p:nvPr>
+            <p:ph idx="1"/>
+          </p:nvPr>
+        </p:nvPicPr>
+        <p:blipFill>
+          <a:blip r:embed="rId3">
+            <a:extLst>
+              <a:ext uri="{28A0092B-C50C-407E-A947-70E740481C1C}">
+                <a14:useLocalDpi xmlns:a14="http://schemas.microsoft.com/office/drawing/2010/main" val="0"/>
+              </a:ext>
+            </a:extLst>
+          </a:blip>
+          <a:stretch>
+            <a:fillRect/>
+          </a:stretch>
+        </p:blipFill>
+        <p:spPr>
+          <a:xfrm>
+            <a:off x="315820" y="2134756"/>
+            <a:ext cx="5106113" cy="3353268"/>
+          </a:xfrm>
+        </p:spPr>
+      </p:pic>
+    </p:spTree>
+    <p:extLst>
+      <p:ext uri="{BB962C8B-B14F-4D97-AF65-F5344CB8AC3E}">
+        <p14:creationId xmlns:p14="http://schemas.microsoft.com/office/powerpoint/2010/main" val="3914649709"/>
+      </p:ext>
+    </p:extLst>
+  </p:cSld>
+  <p:clrMapOvr>
+    <a:masterClrMapping/>
+  </p:clrMapOvr>
+  <p:timing>
+    <p:tnLst>
+      <p:par>
+        <p:cTn id="1" dur="indefinite" restart="never" nodeType="tmRoot"/>
+      </p:par>
+    </p:tnLst>
+  </p:timing>
+</p:sld>
+</file>
+
+<file path=ppt/slides/slide18.xml><?xml version="1.0" encoding="utf-8"?>
+<p:sld xmlns:a="http://schemas.openxmlformats.org/drawingml/2006/main" xmlns:r="http://schemas.openxmlformats.org/officeDocument/2006/relationships" xmlns:p="http://schemas.openxmlformats.org/presentationml/2006/main">
+  <p:cSld>
+    <p:spTree>
+      <p:nvGrpSpPr>
+        <p:cNvPr id="1" name=""/>
+        <p:cNvGrpSpPr/>
+        <p:nvPr/>
+      </p:nvGrpSpPr>
+      <p:grpSpPr>
+        <a:xfrm>
+          <a:off x="0" y="0"/>
+          <a:ext cx="0" cy="0"/>
+          <a:chOff x="0" y="0"/>
+          <a:chExt cx="0" cy="0"/>
+        </a:xfrm>
+      </p:grpSpPr>
+      <p:sp>
+        <p:nvSpPr>
+          <p:cNvPr id="2" name="Título 1"/>
+          <p:cNvSpPr>
+            <a:spLocks noGrp="1"/>
+          </p:cNvSpPr>
+          <p:nvPr>
+            <p:ph type="title"/>
+          </p:nvPr>
+        </p:nvSpPr>
+        <p:spPr/>
+        <p:txBody>
+          <a:bodyPr/>
+          <a:lstStyle/>
+          <a:p>
+            <a:r>
+              <a:rPr lang="es-ES" dirty="0" smtClean="0"/>
+              <a:t>5. Resultados</a:t>
+            </a:r>
+            <a:endParaRPr lang="es-ES" dirty="0"/>
+          </a:p>
+        </p:txBody>
+      </p:sp>
+      <p:pic>
+        <p:nvPicPr>
+          <p:cNvPr id="4" name="Marcador de contenido 3"/>
+          <p:cNvPicPr>
+            <a:picLocks noGrp="1" noChangeAspect="1"/>
+          </p:cNvPicPr>
+          <p:nvPr>
+            <p:ph idx="1"/>
+          </p:nvPr>
+        </p:nvPicPr>
+        <p:blipFill>
+          <a:blip r:embed="rId2">
+            <a:extLst>
+              <a:ext uri="{28A0092B-C50C-407E-A947-70E740481C1C}">
+                <a14:useLocalDpi xmlns:a14="http://schemas.microsoft.com/office/drawing/2010/main" val="0"/>
+              </a:ext>
+            </a:extLst>
+          </a:blip>
+          <a:stretch>
+            <a:fillRect/>
+          </a:stretch>
+        </p:blipFill>
+        <p:spPr>
+          <a:xfrm>
+            <a:off x="257761" y="2196697"/>
+            <a:ext cx="6630325" cy="1705213"/>
+          </a:xfrm>
+        </p:spPr>
+      </p:pic>
+      <p:pic>
+        <p:nvPicPr>
+          <p:cNvPr id="5" name="Imagen 4"/>
+          <p:cNvPicPr>
+            <a:picLocks noChangeAspect="1"/>
+          </p:cNvPicPr>
+          <p:nvPr/>
+        </p:nvPicPr>
+        <p:blipFill>
+          <a:blip r:embed="rId3">
+            <a:extLst>
+              <a:ext uri="{28A0092B-C50C-407E-A947-70E740481C1C}">
+                <a14:useLocalDpi xmlns:a14="http://schemas.microsoft.com/office/drawing/2010/main" val="0"/>
+              </a:ext>
+            </a:extLst>
+          </a:blip>
+          <a:stretch>
+            <a:fillRect/>
+          </a:stretch>
+        </p:blipFill>
+        <p:spPr>
+          <a:xfrm>
+            <a:off x="7121000" y="2751826"/>
+            <a:ext cx="4869007" cy="3661941"/>
+          </a:xfrm>
+          <a:prstGeom prst="rect">
+            <a:avLst/>
+          </a:prstGeom>
+        </p:spPr>
+      </p:pic>
+      <p:sp>
+        <p:nvSpPr>
+          <p:cNvPr id="6" name="CuadroTexto 5"/>
+          <p:cNvSpPr txBox="1"/>
+          <p:nvPr/>
+        </p:nvSpPr>
+        <p:spPr>
+          <a:xfrm>
+            <a:off x="257761" y="3953718"/>
+            <a:ext cx="6219645" cy="646331"/>
+          </a:xfrm>
+          <a:prstGeom prst="rect">
+            <a:avLst/>
+          </a:prstGeom>
+          <a:noFill/>
+        </p:spPr>
+        <p:txBody>
+          <a:bodyPr wrap="square" rtlCol="0">
+            <a:spAutoFit/>
+          </a:bodyPr>
+          <a:lstStyle/>
+          <a:p>
+            <a:r>
+              <a:rPr lang="es-ES" dirty="0" smtClean="0"/>
+              <a:t>Listado de los hijos con sus probabilidades de no ser mina junto con la sugerencia del siguiente paso</a:t>
+            </a:r>
+            <a:endParaRPr lang="es-ES" dirty="0"/>
+          </a:p>
+        </p:txBody>
+      </p:sp>
+      <p:sp>
+        <p:nvSpPr>
+          <p:cNvPr id="7" name="CuadroTexto 6"/>
+          <p:cNvSpPr txBox="1"/>
+          <p:nvPr/>
+        </p:nvSpPr>
+        <p:spPr>
+          <a:xfrm>
+            <a:off x="1207698" y="5767436"/>
+            <a:ext cx="6344622" cy="646331"/>
+          </a:xfrm>
+          <a:prstGeom prst="rect">
+            <a:avLst/>
+          </a:prstGeom>
+          <a:noFill/>
+        </p:spPr>
+        <p:txBody>
+          <a:bodyPr wrap="square" rtlCol="0">
+            <a:spAutoFit/>
+          </a:bodyPr>
+          <a:lstStyle/>
+          <a:p>
+            <a:r>
+              <a:rPr lang="es-ES" dirty="0" smtClean="0"/>
+              <a:t>Tras haber destapado la siguiente casilla, las listas se actualizan</a:t>
+            </a:r>
+            <a:endParaRPr lang="es-ES" dirty="0"/>
+          </a:p>
+        </p:txBody>
+      </p:sp>
+    </p:spTree>
+    <p:extLst>
+      <p:ext uri="{BB962C8B-B14F-4D97-AF65-F5344CB8AC3E}">
+        <p14:creationId xmlns:p14="http://schemas.microsoft.com/office/powerpoint/2010/main" val="3066510025"/>
+      </p:ext>
+    </p:extLst>
+  </p:cSld>
+  <p:clrMapOvr>
+    <a:masterClrMapping/>
+  </p:clrMapOvr>
+  <p:timing>
+    <p:tnLst>
+      <p:par>
+        <p:cTn id="1" dur="indefinite" restart="never" nodeType="tmRoot"/>
+      </p:par>
+    </p:tnLst>
+  </p:timing>
+</p:sld>
+</file>
+
+<file path=ppt/slides/slide19.xml><?xml version="1.0" encoding="utf-8"?>
+<p:sld xmlns:a="http://schemas.openxmlformats.org/drawingml/2006/main" xmlns:r="http://schemas.openxmlformats.org/officeDocument/2006/relationships" xmlns:p="http://schemas.openxmlformats.org/presentationml/2006/main">
+  <p:cSld>
+    <p:spTree>
+      <p:nvGrpSpPr>
+        <p:cNvPr id="1" name=""/>
+        <p:cNvGrpSpPr/>
+        <p:nvPr/>
+      </p:nvGrpSpPr>
+      <p:grpSpPr>
+        <a:xfrm>
+          <a:off x="0" y="0"/>
+          <a:ext cx="0" cy="0"/>
+          <a:chOff x="0" y="0"/>
+          <a:chExt cx="0" cy="0"/>
+        </a:xfrm>
+      </p:grpSpPr>
+      <p:sp>
+        <p:nvSpPr>
+          <p:cNvPr id="2" name="Título 1"/>
+          <p:cNvSpPr>
+            <a:spLocks noGrp="1"/>
+          </p:cNvSpPr>
+          <p:nvPr>
+            <p:ph type="title"/>
+          </p:nvPr>
+        </p:nvSpPr>
+        <p:spPr/>
+        <p:txBody>
+          <a:bodyPr/>
+          <a:lstStyle/>
+          <a:p>
+            <a:r>
+              <a:rPr lang="es-ES" dirty="0" smtClean="0"/>
+              <a:t>5. Resultados</a:t>
+            </a:r>
+            <a:endParaRPr lang="es-ES" dirty="0"/>
+          </a:p>
+        </p:txBody>
+      </p:sp>
+      <p:pic>
+        <p:nvPicPr>
+          <p:cNvPr id="4" name="Marcador de contenido 3"/>
+          <p:cNvPicPr>
+            <a:picLocks noGrp="1" noChangeAspect="1"/>
+          </p:cNvPicPr>
+          <p:nvPr>
+            <p:ph idx="1"/>
+          </p:nvPr>
+        </p:nvPicPr>
+        <p:blipFill>
+          <a:blip r:embed="rId2">
+            <a:extLst>
+              <a:ext uri="{28A0092B-C50C-407E-A947-70E740481C1C}">
+                <a14:useLocalDpi xmlns:a14="http://schemas.microsoft.com/office/drawing/2010/main" val="0"/>
+              </a:ext>
+            </a:extLst>
+          </a:blip>
+          <a:stretch>
+            <a:fillRect/>
+          </a:stretch>
+        </p:blipFill>
+        <p:spPr>
+          <a:xfrm>
+            <a:off x="404275" y="2259163"/>
+            <a:ext cx="5008824" cy="4089879"/>
+          </a:xfrm>
+        </p:spPr>
+      </p:pic>
+      <p:pic>
+        <p:nvPicPr>
+          <p:cNvPr id="5" name="Imagen 4"/>
+          <p:cNvPicPr>
+            <a:picLocks noChangeAspect="1"/>
+          </p:cNvPicPr>
+          <p:nvPr/>
+        </p:nvPicPr>
+        <p:blipFill>
+          <a:blip r:embed="rId3">
+            <a:extLst>
+              <a:ext uri="{28A0092B-C50C-407E-A947-70E740481C1C}">
+                <a14:useLocalDpi xmlns:a14="http://schemas.microsoft.com/office/drawing/2010/main" val="0"/>
+              </a:ext>
+            </a:extLst>
+          </a:blip>
+          <a:stretch>
+            <a:fillRect/>
+          </a:stretch>
+        </p:blipFill>
+        <p:spPr>
+          <a:xfrm>
+            <a:off x="5611229" y="2259162"/>
+            <a:ext cx="6405367" cy="4089879"/>
+          </a:xfrm>
+          <a:prstGeom prst="rect">
+            <a:avLst/>
+          </a:prstGeom>
+        </p:spPr>
+      </p:pic>
+    </p:spTree>
+    <p:extLst>
+      <p:ext uri="{BB962C8B-B14F-4D97-AF65-F5344CB8AC3E}">
+        <p14:creationId xmlns:p14="http://schemas.microsoft.com/office/powerpoint/2010/main" val="903076638"/>
       </p:ext>
     </p:extLst>
   </p:cSld>

--- a/El Buscaminas.pptx
+++ b/El Buscaminas.pptx
@@ -416,7 +416,7 @@
           <a:p>
             <a:fld id="{397E0307-B85C-446A-8EF0-0407D435D787}" type="datetimeFigureOut">
               <a:rPr lang="en-US" dirty="0"/>
-              <a:t>12/19/2018</a:t>
+              <a:t>12/20/2018</a:t>
             </a:fld>
             <a:endParaRPr lang="en-US" dirty="0"/>
           </a:p>
@@ -825,7 +825,7 @@
           <a:p>
             <a:fld id="{8BD862E7-95FA-4FC4-9EC5-DDBFA8DC7417}" type="datetimeFigureOut">
               <a:rPr lang="en-US" dirty="0"/>
-              <a:t>12/19/2018</a:t>
+              <a:t>12/20/2018</a:t>
             </a:fld>
             <a:endParaRPr lang="en-US" dirty="0"/>
           </a:p>
@@ -1156,7 +1156,7 @@
           <a:p>
             <a:fld id="{8DB987F2-A784-4F72-BB57-0E9EACDE722E}" type="datetimeFigureOut">
               <a:rPr lang="en-US" dirty="0"/>
-              <a:t>12/19/2018</a:t>
+              <a:t>12/20/2018</a:t>
             </a:fld>
             <a:endParaRPr lang="en-US" dirty="0"/>
           </a:p>
@@ -1556,7 +1556,7 @@
           <a:p>
             <a:fld id="{40BBD51E-4B19-444E-85C0-DBD7EB6263F4}" type="datetimeFigureOut">
               <a:rPr lang="en-US" dirty="0"/>
-              <a:t>12/19/2018</a:t>
+              <a:t>12/20/2018</a:t>
             </a:fld>
             <a:endParaRPr lang="en-US" dirty="0"/>
           </a:p>
@@ -2119,7 +2119,7 @@
           <a:p>
             <a:fld id="{F0D7255A-4AD5-4D3E-9A0A-689DA3BA976C}" type="datetimeFigureOut">
               <a:rPr lang="en-US" dirty="0"/>
-              <a:t>12/19/2018</a:t>
+              <a:t>12/20/2018</a:t>
             </a:fld>
             <a:endParaRPr lang="en-US" dirty="0"/>
           </a:p>
@@ -2795,7 +2795,7 @@
           <a:p>
             <a:fld id="{3EE0AD15-87AC-45B2-9EE5-8D165AF83CD7}" type="datetimeFigureOut">
               <a:rPr lang="en-US" dirty="0"/>
-              <a:t>12/19/2018</a:t>
+              <a:t>12/20/2018</a:t>
             </a:fld>
             <a:endParaRPr lang="en-US" dirty="0"/>
           </a:p>
@@ -3703,7 +3703,7 @@
           <a:p>
             <a:fld id="{FCC40CCD-F0D6-4CC2-A4C8-2D7D0D875F02}" type="datetimeFigureOut">
               <a:rPr lang="en-US" dirty="0"/>
-              <a:t>12/19/2018</a:t>
+              <a:t>12/20/2018</a:t>
             </a:fld>
             <a:endParaRPr lang="en-US" dirty="0"/>
           </a:p>
@@ -4011,7 +4011,7 @@
           <a:p>
             <a:fld id="{B3CFE2CC-454D-4466-AC55-B86DA0A87BAE}" type="datetimeFigureOut">
               <a:rPr lang="en-US" dirty="0"/>
-              <a:t>12/19/2018</a:t>
+              <a:t>12/20/2018</a:t>
             </a:fld>
             <a:endParaRPr lang="en-US" dirty="0"/>
           </a:p>
@@ -4270,7 +4270,7 @@
           <a:p>
             <a:fld id="{B647B1BF-4039-460D-A637-65428CBD720E}" type="datetimeFigureOut">
               <a:rPr lang="en-US" dirty="0"/>
-              <a:t>12/19/2018</a:t>
+              <a:t>12/20/2018</a:t>
             </a:fld>
             <a:endParaRPr lang="en-US" dirty="0"/>
           </a:p>
@@ -4589,7 +4589,7 @@
           <a:p>
             <a:fld id="{AAA39ACE-9343-4EBE-B5CA-AEA240A1DC53}" type="datetimeFigureOut">
               <a:rPr lang="en-US" dirty="0"/>
-              <a:t>12/19/2018</a:t>
+              <a:t>12/20/2018</a:t>
             </a:fld>
             <a:endParaRPr lang="en-US" dirty="0"/>
           </a:p>
@@ -4973,7 +4973,7 @@
           <a:p>
             <a:fld id="{C9A00F7B-89C5-4DF7-A309-6263220147D4}" type="datetimeFigureOut">
               <a:rPr lang="en-US" dirty="0"/>
-              <a:t>12/19/2018</a:t>
+              <a:t>12/20/2018</a:t>
             </a:fld>
             <a:endParaRPr lang="en-US" dirty="0"/>
           </a:p>
@@ -5344,7 +5344,7 @@
           <a:p>
             <a:fld id="{449C95DE-FD64-4606-AE61-EC1136867CC6}" type="datetimeFigureOut">
               <a:rPr lang="en-US" dirty="0"/>
-              <a:t>12/19/2018</a:t>
+              <a:t>12/20/2018</a:t>
             </a:fld>
             <a:endParaRPr lang="en-US" dirty="0"/>
           </a:p>
@@ -5845,7 +5845,7 @@
           <a:p>
             <a:fld id="{5DEB0BBD-30FE-4CF1-900A-0C45149F8AF8}" type="datetimeFigureOut">
               <a:rPr lang="en-US" dirty="0"/>
-              <a:t>12/19/2018</a:t>
+              <a:t>12/20/2018</a:t>
             </a:fld>
             <a:endParaRPr lang="en-US" dirty="0"/>
           </a:p>
@@ -6097,7 +6097,7 @@
           <a:p>
             <a:fld id="{B91A5F7F-3E81-4C65-A4D1-CB62D5B9DB91}" type="datetimeFigureOut">
               <a:rPr lang="en-US" dirty="0"/>
-              <a:t>12/19/2018</a:t>
+              <a:t>12/20/2018</a:t>
             </a:fld>
             <a:endParaRPr lang="en-US" dirty="0"/>
           </a:p>
@@ -6255,7 +6255,7 @@
           <a:p>
             <a:fld id="{377ECC86-1672-4627-AEFE-EC5485C73905}" type="datetimeFigureOut">
               <a:rPr lang="en-US" dirty="0"/>
-              <a:t>12/19/2018</a:t>
+              <a:t>12/20/2018</a:t>
             </a:fld>
             <a:endParaRPr lang="en-US" dirty="0"/>
           </a:p>
@@ -6640,7 +6640,7 @@
           <a:p>
             <a:fld id="{3CDCB01F-D966-4C62-B900-0BE008A90C98}" type="datetimeFigureOut">
               <a:rPr lang="en-US" dirty="0"/>
-              <a:t>12/19/2018</a:t>
+              <a:t>12/20/2018</a:t>
             </a:fld>
             <a:endParaRPr lang="en-US" dirty="0"/>
           </a:p>
@@ -7044,7 +7044,7 @@
           <a:p>
             <a:fld id="{5E73A0EA-7DC7-4964-BB97-B173EF3B859A}" type="datetimeFigureOut">
               <a:rPr lang="en-US" dirty="0"/>
-              <a:t>12/19/2018</a:t>
+              <a:t>12/20/2018</a:t>
             </a:fld>
             <a:endParaRPr lang="en-US" dirty="0"/>
           </a:p>
@@ -7283,7 +7283,7 @@
           <a:p>
             <a:fld id="{30EF52CC-F3D9-41D4-BCE4-C208E61A3F31}" type="datetimeFigureOut">
               <a:rPr lang="en-US" dirty="0"/>
-              <a:t>12/19/2018</a:t>
+              <a:t>12/20/2018</a:t>
             </a:fld>
             <a:endParaRPr lang="en-US" dirty="0"/>
           </a:p>
@@ -8295,7 +8295,15 @@
             <a:pPr lvl="1"/>
             <a:r>
               <a:rPr lang="es-ES" dirty="0" smtClean="0"/>
-              <a:t>Las casillas ocultas que no tengan vecinas destapadas se ignoran ya que ni son padre ni hijas de ningún nodo.</a:t>
+              <a:t>Las casillas ocultas que no tengan vecinas destapadas se ignoran ya que ni son </a:t>
+            </a:r>
+            <a:r>
+              <a:rPr lang="es-ES" dirty="0" smtClean="0"/>
+              <a:t>padres </a:t>
+            </a:r>
+            <a:r>
+              <a:rPr lang="es-ES" dirty="0" smtClean="0"/>
+              <a:t>ni hijas de ningún nodo.</a:t>
             </a:r>
             <a:endParaRPr lang="es-ES" dirty="0"/>
           </a:p>
@@ -8573,13 +8581,75 @@
           </a:p>
         </p:txBody>
       </p:sp>
+      <p:sp>
+        <p:nvSpPr>
+          <p:cNvPr id="8" name="CuadroTexto 7"/>
+          <p:cNvSpPr txBox="1"/>
+          <p:nvPr/>
+        </p:nvSpPr>
+        <p:spPr>
+          <a:xfrm>
+            <a:off x="315820" y="5488024"/>
+            <a:ext cx="4510764" cy="369332"/>
+          </a:xfrm>
+          <a:prstGeom prst="rect">
+            <a:avLst/>
+          </a:prstGeom>
+          <a:noFill/>
+        </p:spPr>
+        <p:txBody>
+          <a:bodyPr wrap="square" rtlCol="0">
+            <a:spAutoFit/>
+          </a:bodyPr>
+          <a:lstStyle/>
+          <a:p>
+            <a:r>
+              <a:rPr lang="es-ES" dirty="0" smtClean="0"/>
+              <a:t>Se destapa primeramente la casilla (0,0)</a:t>
+            </a:r>
+            <a:endParaRPr lang="es-ES" dirty="0"/>
+          </a:p>
+        </p:txBody>
+      </p:sp>
+      <p:sp>
+        <p:nvSpPr>
+          <p:cNvPr id="9" name="CuadroTexto 8"/>
+          <p:cNvSpPr txBox="1"/>
+          <p:nvPr/>
+        </p:nvSpPr>
+        <p:spPr>
+          <a:xfrm>
+            <a:off x="5259318" y="4757987"/>
+            <a:ext cx="4858428" cy="1200329"/>
+          </a:xfrm>
+          <a:prstGeom prst="rect">
+            <a:avLst/>
+          </a:prstGeom>
+          <a:noFill/>
+        </p:spPr>
+        <p:txBody>
+          <a:bodyPr wrap="square" rtlCol="0">
+            <a:spAutoFit/>
+          </a:bodyPr>
+          <a:lstStyle/>
+          <a:p>
+            <a:r>
+              <a:rPr lang="es-ES" dirty="0" smtClean="0"/>
+              <a:t>La casilla se añade al listado de casillas destapadas (padres) y sus vecinos son añadidos  a la lista de casilla vecinas ocultas (hijos)</a:t>
+            </a:r>
+            <a:endParaRPr lang="es-ES" dirty="0"/>
+          </a:p>
+        </p:txBody>
+      </p:sp>
       <p:pic>
         <p:nvPicPr>
-          <p:cNvPr id="5" name="Imagen 4"/>
+          <p:cNvPr id="4" name="Marcador de contenido 3"/>
           <p:cNvPicPr>
-            <a:picLocks noChangeAspect="1"/>
+            <a:picLocks noGrp="1" noChangeAspect="1"/>
           </p:cNvPicPr>
-          <p:nvPr/>
+          <p:nvPr>
+            <p:ph idx="1"/>
+          </p:nvPr>
         </p:nvPicPr>
         <p:blipFill>
           <a:blip r:embed="rId2">
@@ -8595,83 +8665,18 @@
         </p:blipFill>
         <p:spPr>
           <a:xfrm>
-            <a:off x="6306469" y="3068363"/>
-            <a:ext cx="4858428" cy="1790950"/>
-          </a:xfrm>
-          <a:prstGeom prst="rect">
-            <a:avLst/>
-          </a:prstGeom>
+            <a:off x="315820" y="2325437"/>
+            <a:ext cx="4350938" cy="2936675"/>
+          </a:xfrm>
         </p:spPr>
       </p:pic>
-      <p:sp>
-        <p:nvSpPr>
-          <p:cNvPr id="8" name="CuadroTexto 7"/>
-          <p:cNvSpPr txBox="1"/>
-          <p:nvPr/>
-        </p:nvSpPr>
-        <p:spPr>
-          <a:xfrm>
-            <a:off x="315820" y="5488024"/>
-            <a:ext cx="4510764" cy="369332"/>
-          </a:xfrm>
-          <a:prstGeom prst="rect">
-            <a:avLst/>
-          </a:prstGeom>
-          <a:noFill/>
-        </p:spPr>
-        <p:txBody>
-          <a:bodyPr wrap="square" rtlCol="0">
-            <a:spAutoFit/>
-          </a:bodyPr>
-          <a:lstStyle/>
-          <a:p>
-            <a:r>
-              <a:rPr lang="es-ES" dirty="0" smtClean="0"/>
-              <a:t>Se destapa primeramente la casilla (0,0)</a:t>
-            </a:r>
-            <a:endParaRPr lang="es-ES" dirty="0"/>
-          </a:p>
-        </p:txBody>
-      </p:sp>
-      <p:sp>
-        <p:nvSpPr>
-          <p:cNvPr id="9" name="CuadroTexto 8"/>
-          <p:cNvSpPr txBox="1"/>
-          <p:nvPr/>
-        </p:nvSpPr>
-        <p:spPr>
-          <a:xfrm>
-            <a:off x="6306469" y="4990900"/>
-            <a:ext cx="4858428" cy="1200329"/>
-          </a:xfrm>
-          <a:prstGeom prst="rect">
-            <a:avLst/>
-          </a:prstGeom>
-          <a:noFill/>
-        </p:spPr>
-        <p:txBody>
-          <a:bodyPr wrap="square" rtlCol="0">
-            <a:spAutoFit/>
-          </a:bodyPr>
-          <a:lstStyle/>
-          <a:p>
-            <a:r>
-              <a:rPr lang="es-ES" dirty="0" smtClean="0"/>
-              <a:t>La casilla se añade al listado de casillas destapadas (padres) y sus vecinos son añadidos  a la lista de casilla vecinas ocultas (hijos)</a:t>
-            </a:r>
-            <a:endParaRPr lang="es-ES" dirty="0"/>
-          </a:p>
-        </p:txBody>
-      </p:sp>
       <p:pic>
         <p:nvPicPr>
-          <p:cNvPr id="13" name="Marcador de contenido 12"/>
+          <p:cNvPr id="6" name="Imagen 5"/>
           <p:cNvPicPr>
-            <a:picLocks noGrp="1" noChangeAspect="1"/>
+            <a:picLocks noChangeAspect="1"/>
           </p:cNvPicPr>
-          <p:nvPr>
-            <p:ph idx="1"/>
-          </p:nvPr>
+          <p:nvPr/>
         </p:nvPicPr>
         <p:blipFill>
           <a:blip r:embed="rId3">
@@ -8687,9 +8692,12 @@
         </p:blipFill>
         <p:spPr>
           <a:xfrm>
-            <a:off x="315820" y="2134756"/>
-            <a:ext cx="5106113" cy="3353268"/>
-          </a:xfrm>
+            <a:off x="5259318" y="2825923"/>
+            <a:ext cx="6740025" cy="1810003"/>
+          </a:xfrm>
+          <a:prstGeom prst="rect">
+            <a:avLst/>
+          </a:prstGeom>
         </p:spPr>
       </p:pic>
     </p:spTree>
@@ -8752,9 +8760,69 @@
           </a:p>
         </p:txBody>
       </p:sp>
+      <p:sp>
+        <p:nvSpPr>
+          <p:cNvPr id="6" name="CuadroTexto 5"/>
+          <p:cNvSpPr txBox="1"/>
+          <p:nvPr/>
+        </p:nvSpPr>
+        <p:spPr>
+          <a:xfrm>
+            <a:off x="257761" y="3953718"/>
+            <a:ext cx="6219645" cy="646331"/>
+          </a:xfrm>
+          <a:prstGeom prst="rect">
+            <a:avLst/>
+          </a:prstGeom>
+          <a:noFill/>
+        </p:spPr>
+        <p:txBody>
+          <a:bodyPr wrap="square" rtlCol="0">
+            <a:spAutoFit/>
+          </a:bodyPr>
+          <a:lstStyle/>
+          <a:p>
+            <a:r>
+              <a:rPr lang="es-ES" dirty="0" smtClean="0"/>
+              <a:t>Listado de los hijos con sus probabilidades de no ser mina junto con la sugerencia del siguiente paso</a:t>
+            </a:r>
+            <a:endParaRPr lang="es-ES" dirty="0"/>
+          </a:p>
+        </p:txBody>
+      </p:sp>
+      <p:sp>
+        <p:nvSpPr>
+          <p:cNvPr id="7" name="CuadroTexto 6"/>
+          <p:cNvSpPr txBox="1"/>
+          <p:nvPr/>
+        </p:nvSpPr>
+        <p:spPr>
+          <a:xfrm>
+            <a:off x="1207698" y="5767436"/>
+            <a:ext cx="6344622" cy="646331"/>
+          </a:xfrm>
+          <a:prstGeom prst="rect">
+            <a:avLst/>
+          </a:prstGeom>
+          <a:noFill/>
+        </p:spPr>
+        <p:txBody>
+          <a:bodyPr wrap="square" rtlCol="0">
+            <a:spAutoFit/>
+          </a:bodyPr>
+          <a:lstStyle/>
+          <a:p>
+            <a:r>
+              <a:rPr lang="es-ES" dirty="0" smtClean="0"/>
+              <a:t>Tras haber destapado la siguiente casilla, las listas se actualizan</a:t>
+            </a:r>
+            <a:endParaRPr lang="es-ES" dirty="0"/>
+          </a:p>
+        </p:txBody>
+      </p:sp>
       <p:pic>
         <p:nvPicPr>
-          <p:cNvPr id="4" name="Marcador de contenido 3"/>
+          <p:cNvPr id="8" name="Marcador de contenido 7"/>
           <p:cNvPicPr>
             <a:picLocks noGrp="1" noChangeAspect="1"/>
           </p:cNvPicPr>
@@ -8776,14 +8844,14 @@
         </p:blipFill>
         <p:spPr>
           <a:xfrm>
-            <a:off x="257761" y="2196697"/>
-            <a:ext cx="6630325" cy="1705213"/>
+            <a:off x="257761" y="2131835"/>
+            <a:ext cx="6677957" cy="1524213"/>
           </a:xfrm>
         </p:spPr>
       </p:pic>
       <p:pic>
         <p:nvPicPr>
-          <p:cNvPr id="5" name="Imagen 4"/>
+          <p:cNvPr id="9" name="Imagen 8"/>
           <p:cNvPicPr>
             <a:picLocks noChangeAspect="1"/>
           </p:cNvPicPr>
@@ -8803,74 +8871,14 @@
         </p:blipFill>
         <p:spPr>
           <a:xfrm>
-            <a:off x="7121000" y="2751826"/>
-            <a:ext cx="4869007" cy="3661941"/>
+            <a:off x="7196814" y="2220431"/>
+            <a:ext cx="4722225" cy="4193336"/>
           </a:xfrm>
           <a:prstGeom prst="rect">
             <a:avLst/>
           </a:prstGeom>
         </p:spPr>
       </p:pic>
-      <p:sp>
-        <p:nvSpPr>
-          <p:cNvPr id="6" name="CuadroTexto 5"/>
-          <p:cNvSpPr txBox="1"/>
-          <p:nvPr/>
-        </p:nvSpPr>
-        <p:spPr>
-          <a:xfrm>
-            <a:off x="257761" y="3953718"/>
-            <a:ext cx="6219645" cy="646331"/>
-          </a:xfrm>
-          <a:prstGeom prst="rect">
-            <a:avLst/>
-          </a:prstGeom>
-          <a:noFill/>
-        </p:spPr>
-        <p:txBody>
-          <a:bodyPr wrap="square" rtlCol="0">
-            <a:spAutoFit/>
-          </a:bodyPr>
-          <a:lstStyle/>
-          <a:p>
-            <a:r>
-              <a:rPr lang="es-ES" dirty="0" smtClean="0"/>
-              <a:t>Listado de los hijos con sus probabilidades de no ser mina junto con la sugerencia del siguiente paso</a:t>
-            </a:r>
-            <a:endParaRPr lang="es-ES" dirty="0"/>
-          </a:p>
-        </p:txBody>
-      </p:sp>
-      <p:sp>
-        <p:nvSpPr>
-          <p:cNvPr id="7" name="CuadroTexto 6"/>
-          <p:cNvSpPr txBox="1"/>
-          <p:nvPr/>
-        </p:nvSpPr>
-        <p:spPr>
-          <a:xfrm>
-            <a:off x="1207698" y="5767436"/>
-            <a:ext cx="6344622" cy="646331"/>
-          </a:xfrm>
-          <a:prstGeom prst="rect">
-            <a:avLst/>
-          </a:prstGeom>
-          <a:noFill/>
-        </p:spPr>
-        <p:txBody>
-          <a:bodyPr wrap="square" rtlCol="0">
-            <a:spAutoFit/>
-          </a:bodyPr>
-          <a:lstStyle/>
-          <a:p>
-            <a:r>
-              <a:rPr lang="es-ES" dirty="0" smtClean="0"/>
-              <a:t>Tras haber destapado la siguiente casilla, las listas se actualizan</a:t>
-            </a:r>
-            <a:endParaRPr lang="es-ES" dirty="0"/>
-          </a:p>
-        </p:txBody>
-      </p:sp>
     </p:spTree>
     <p:extLst>
       <p:ext uri="{BB962C8B-B14F-4D97-AF65-F5344CB8AC3E}">
@@ -8933,7 +8941,7 @@
       </p:sp>
       <p:pic>
         <p:nvPicPr>
-          <p:cNvPr id="4" name="Marcador de contenido 3"/>
+          <p:cNvPr id="6" name="Marcador de contenido 5"/>
           <p:cNvPicPr>
             <a:picLocks noGrp="1" noChangeAspect="1"/>
           </p:cNvPicPr>
@@ -8955,39 +8963,9 @@
         </p:blipFill>
         <p:spPr>
           <a:xfrm>
-            <a:off x="404275" y="2259163"/>
-            <a:ext cx="5008824" cy="4089879"/>
-          </a:xfrm>
-        </p:spPr>
-      </p:pic>
-      <p:pic>
-        <p:nvPicPr>
-          <p:cNvPr id="5" name="Imagen 4"/>
-          <p:cNvPicPr>
-            <a:picLocks noChangeAspect="1"/>
-          </p:cNvPicPr>
-          <p:nvPr/>
-        </p:nvPicPr>
-        <p:blipFill>
-          <a:blip r:embed="rId3">
-            <a:extLst>
-              <a:ext uri="{28A0092B-C50C-407E-A947-70E740481C1C}">
-                <a14:useLocalDpi xmlns:a14="http://schemas.microsoft.com/office/drawing/2010/main" val="0"/>
-              </a:ext>
-            </a:extLst>
-          </a:blip>
-          <a:stretch>
-            <a:fillRect/>
-          </a:stretch>
-        </p:blipFill>
-        <p:spPr>
-          <a:xfrm>
-            <a:off x="5611229" y="2259162"/>
-            <a:ext cx="6405367" cy="4089879"/>
-          </a:xfrm>
-          <a:prstGeom prst="rect">
-            <a:avLst/>
-          </a:prstGeom>
+            <a:off x="2286001" y="2217722"/>
+            <a:ext cx="6918384" cy="4145233"/>
+          </a:xfrm>
         </p:spPr>
       </p:pic>
     </p:spTree>

--- a/El Buscaminas.pptx
+++ b/El Buscaminas.pptx
@@ -8177,7 +8177,7 @@
       </p:sp>
       <p:pic>
         <p:nvPicPr>
-          <p:cNvPr id="4" name="Marcador de contenido 3"/>
+          <p:cNvPr id="5" name="Marcador de contenido 4"/>
           <p:cNvPicPr>
             <a:picLocks noGrp="1" noChangeAspect="1"/>
           </p:cNvPicPr>
@@ -8199,11 +8199,41 @@
         </p:blipFill>
         <p:spPr>
           <a:xfrm>
-            <a:off x="1153508" y="2483413"/>
-            <a:ext cx="8668960" cy="3305636"/>
+            <a:off x="680321" y="2224653"/>
+            <a:ext cx="6552437" cy="3395240"/>
           </a:xfrm>
         </p:spPr>
       </p:pic>
+      <p:sp>
+        <p:nvSpPr>
+          <p:cNvPr id="6" name="CuadroTexto 5"/>
+          <p:cNvSpPr txBox="1"/>
+          <p:nvPr/>
+        </p:nvSpPr>
+        <p:spPr>
+          <a:xfrm>
+            <a:off x="7668883" y="3200400"/>
+            <a:ext cx="2958860" cy="646331"/>
+          </a:xfrm>
+          <a:prstGeom prst="rect">
+            <a:avLst/>
+          </a:prstGeom>
+          <a:noFill/>
+        </p:spPr>
+        <p:txBody>
+          <a:bodyPr wrap="square" rtlCol="0">
+            <a:spAutoFit/>
+          </a:bodyPr>
+          <a:lstStyle/>
+          <a:p>
+            <a:r>
+              <a:rPr lang="es-ES" dirty="0" smtClean="0"/>
+              <a:t>Ejemplo de nodo padre e hijos</a:t>
+            </a:r>
+            <a:endParaRPr lang="es-ES" dirty="0"/>
+          </a:p>
+        </p:txBody>
+      </p:sp>
     </p:spTree>
     <p:extLst>
       <p:ext uri="{BB962C8B-B14F-4D97-AF65-F5344CB8AC3E}">
@@ -8295,15 +8325,7 @@
             <a:pPr lvl="1"/>
             <a:r>
               <a:rPr lang="es-ES" dirty="0" smtClean="0"/>
-              <a:t>Las casillas ocultas que no tengan vecinas destapadas se ignoran ya que ni son </a:t>
-            </a:r>
-            <a:r>
-              <a:rPr lang="es-ES" dirty="0" smtClean="0"/>
-              <a:t>padres </a:t>
-            </a:r>
-            <a:r>
-              <a:rPr lang="es-ES" dirty="0" smtClean="0"/>
-              <a:t>ni hijas de ningún nodo.</a:t>
+              <a:t>Las casillas ocultas que no tengan vecinas destapadas se ignoran ya que ni son padres ni hijas de ningún nodo.</a:t>
             </a:r>
             <a:endParaRPr lang="es-ES" dirty="0"/>
           </a:p>
